--- a/機械学習資料.pptx
+++ b/機械学習資料.pptx
@@ -3627,50 +3627,36 @@
       </p:grpSpPr>
       <p:sp>
         <p:nvSpPr>
-          <p:cNvPr id="2" name="タイトル 1">
-            <a:extLst>
-              <a:ext uri="{FF2B5EF4-FFF2-40B4-BE49-F238E27FC236}">
-                <a16:creationId xmlns:a16="http://schemas.microsoft.com/office/drawing/2014/main" id="{6286BBF9-88DA-4F2B-EEA8-AED6030E0767}"/>
-              </a:ext>
-            </a:extLst>
-          </p:cNvPr>
-          <p:cNvSpPr>
-            <a:spLocks noGrp="1"/>
-          </p:cNvSpPr>
-          <p:nvPr>
-            <p:ph type="ctrTitle"/>
-          </p:nvPr>
-        </p:nvSpPr>
-        <p:spPr/>
-        <p:txBody>
-          <a:bodyPr/>
-          <a:lstStyle/>
-          <a:p>
-            <a:endParaRPr kumimoji="1" lang="ja-JP" altLang="en-US"/>
-          </a:p>
-        </p:txBody>
-      </p:sp>
-      <p:sp>
-        <p:nvSpPr>
-          <p:cNvPr id="3" name="字幕 2">
-            <a:extLst>
-              <a:ext uri="{FF2B5EF4-FFF2-40B4-BE49-F238E27FC236}">
-                <a16:creationId xmlns:a16="http://schemas.microsoft.com/office/drawing/2014/main" id="{89C530D2-B425-E8A0-E286-D361D18AA0E2}"/>
-              </a:ext>
-            </a:extLst>
-          </p:cNvPr>
-          <p:cNvSpPr>
-            <a:spLocks noGrp="1"/>
-          </p:cNvSpPr>
-          <p:nvPr>
-            <p:ph type="subTitle" idx="1"/>
-          </p:nvPr>
-        </p:nvSpPr>
-        <p:spPr/>
-        <p:txBody>
-          <a:bodyPr/>
-          <a:lstStyle/>
-          <a:p>
+          <p:cNvPr id="4" name="テキスト ボックス 3">
+            <a:extLst>
+              <a:ext uri="{FF2B5EF4-FFF2-40B4-BE49-F238E27FC236}">
+                <a16:creationId xmlns:a16="http://schemas.microsoft.com/office/drawing/2014/main" id="{23EDAA59-FF5C-D07A-1465-2B462A3D1D1F}"/>
+              </a:ext>
+            </a:extLst>
+          </p:cNvPr>
+          <p:cNvSpPr txBox="1"/>
+          <p:nvPr/>
+        </p:nvSpPr>
+        <p:spPr>
+          <a:xfrm>
+            <a:off x="2841171" y="533400"/>
+            <a:ext cx="312906" cy="369332"/>
+          </a:xfrm>
+          <a:prstGeom prst="rect">
+            <a:avLst/>
+          </a:prstGeom>
+          <a:noFill/>
+        </p:spPr>
+        <p:txBody>
+          <a:bodyPr wrap="none" rtlCol="0">
+            <a:spAutoFit/>
+          </a:bodyPr>
+          <a:lstStyle/>
+          <a:p>
+            <a:r>
+              <a:rPr kumimoji="1" lang="en-US" altLang="ja-JP" dirty="0"/>
+              <a:t>a</a:t>
+            </a:r>
             <a:endParaRPr kumimoji="1" lang="ja-JP" altLang="en-US"/>
           </a:p>
         </p:txBody>
